--- a/link-rank-instability.pptx
+++ b/link-rank-instability.pptx
@@ -3391,8 +3391,8 @@
         </p:nvSpPr>
         <p:spPr>
           <a:xfrm>
-            <a:off x="1790770" y="2478519"/>
-            <a:ext cx="5659997" cy="1820640"/>
+            <a:off x="2403293" y="3114055"/>
+            <a:ext cx="4274625" cy="1271070"/>
           </a:xfrm>
           <a:prstGeom prst="cloud">
             <a:avLst/>
@@ -3451,8 +3451,8 @@
         </p:nvCxnSpPr>
         <p:spPr>
           <a:xfrm flipV="1">
-            <a:off x="1211173" y="3350590"/>
-            <a:ext cx="1311601" cy="1132162"/>
+            <a:off x="1105331" y="3749589"/>
+            <a:ext cx="1360005" cy="1132162"/>
           </a:xfrm>
           <a:prstGeom prst="line">
             <a:avLst/>
@@ -3488,8 +3488,8 @@
         </p:nvCxnSpPr>
         <p:spPr>
           <a:xfrm flipV="1">
-            <a:off x="1730176" y="3630083"/>
-            <a:ext cx="1518907" cy="852669"/>
+            <a:off x="1507055" y="4029083"/>
+            <a:ext cx="1684590" cy="852668"/>
           </a:xfrm>
           <a:prstGeom prst="line">
             <a:avLst/>
@@ -3525,8 +3525,8 @@
         </p:nvCxnSpPr>
         <p:spPr>
           <a:xfrm flipV="1">
-            <a:off x="2234487" y="3746500"/>
-            <a:ext cx="1956513" cy="736252"/>
+            <a:off x="1897408" y="4145499"/>
+            <a:ext cx="2236154" cy="736252"/>
           </a:xfrm>
           <a:prstGeom prst="line">
             <a:avLst/>
@@ -3562,8 +3562,8 @@
         </p:nvCxnSpPr>
         <p:spPr>
           <a:xfrm flipV="1">
-            <a:off x="2888450" y="3350590"/>
-            <a:ext cx="3935602" cy="1199379"/>
+            <a:off x="2403594" y="3749590"/>
+            <a:ext cx="4363020" cy="1184189"/>
           </a:xfrm>
           <a:prstGeom prst="line">
             <a:avLst/>
@@ -3597,7 +3597,7 @@
         </p:nvGrpSpPr>
         <p:grpSpPr>
           <a:xfrm>
-            <a:off x="829778" y="359833"/>
+            <a:off x="702569" y="1550892"/>
             <a:ext cx="2914400" cy="1785081"/>
             <a:chOff x="1212807" y="359833"/>
             <a:chExt cx="2914400" cy="1785081"/>
@@ -6415,7 +6415,7 @@
         </p:nvGrpSpPr>
         <p:grpSpPr>
           <a:xfrm>
-            <a:off x="5799623" y="359833"/>
+            <a:off x="5822332" y="1550892"/>
             <a:ext cx="2914400" cy="1785081"/>
             <a:chOff x="1212807" y="359833"/>
             <a:chExt cx="2914400" cy="1785081"/>
@@ -9234,8 +9234,8 @@
         </p:nvCxnSpPr>
         <p:spPr>
           <a:xfrm>
-            <a:off x="2020279" y="218762"/>
-            <a:ext cx="5055747" cy="0"/>
+            <a:off x="2158191" y="1709365"/>
+            <a:ext cx="4608423" cy="0"/>
           </a:xfrm>
           <a:prstGeom prst="straightConnector1">
             <a:avLst/>
@@ -9273,7 +9273,7 @@
         </p:nvCxnSpPr>
         <p:spPr>
           <a:xfrm flipH="1" flipV="1">
-            <a:off x="6538382" y="1181269"/>
+            <a:off x="6561091" y="2372328"/>
             <a:ext cx="393424" cy="354626"/>
           </a:xfrm>
           <a:prstGeom prst="line">
@@ -9308,7 +9308,7 @@
         </p:nvSpPr>
         <p:spPr>
           <a:xfrm>
-            <a:off x="7409526" y="2155498"/>
+            <a:off x="7681334" y="3612703"/>
             <a:ext cx="956625" cy="646331"/>
           </a:xfrm>
           <a:prstGeom prst="rect">
@@ -9368,8 +9368,8 @@
         </p:nvGrpSpPr>
         <p:grpSpPr>
           <a:xfrm>
-            <a:off x="996965" y="4482752"/>
-            <a:ext cx="2576334" cy="1841729"/>
+            <a:off x="939527" y="4881751"/>
+            <a:ext cx="1994162" cy="1425555"/>
             <a:chOff x="996965" y="4482752"/>
             <a:chExt cx="2576334" cy="1841729"/>
           </a:xfrm>
@@ -9933,7 +9933,7 @@
         </p:nvGrpSpPr>
         <p:grpSpPr>
           <a:xfrm>
-            <a:off x="5829878" y="4222776"/>
+            <a:off x="5447376" y="4621660"/>
             <a:ext cx="1912895" cy="1367460"/>
             <a:chOff x="996965" y="4482752"/>
             <a:chExt cx="2576334" cy="1841729"/>
@@ -10180,7 +10180,7 @@
           <p:spPr>
             <a:xfrm>
               <a:off x="2522774" y="4482752"/>
-              <a:ext cx="428416" cy="458985"/>
+              <a:ext cx="428415" cy="458984"/>
             </a:xfrm>
             <a:prstGeom prst="ellipse">
               <a:avLst/>
@@ -10490,150 +10490,165 @@
           </p:txBody>
         </p:sp>
       </p:grpSp>
-      <p:cxnSp>
-        <p:nvCxnSpPr>
-          <p:cNvPr id="312" name="直線矢印コネクタ 311"/>
-          <p:cNvCxnSpPr/>
+      <p:grpSp>
+        <p:nvGrpSpPr>
+          <p:cNvPr id="350" name="図形グループ 349"/>
+          <p:cNvGrpSpPr/>
           <p:nvPr/>
-        </p:nvCxnSpPr>
-        <p:spPr>
-          <a:xfrm flipH="1" flipV="1">
-            <a:off x="1084196" y="2044693"/>
-            <a:ext cx="42333" cy="3230650"/>
+        </p:nvGrpSpPr>
+        <p:grpSpPr>
+          <a:xfrm>
+            <a:off x="821192" y="3227151"/>
+            <a:ext cx="1371726" cy="2109727"/>
+            <a:chOff x="1084196" y="2014758"/>
+            <a:chExt cx="1440016" cy="3260585"/>
           </a:xfrm>
-          <a:prstGeom prst="straightConnector1">
-            <a:avLst/>
-          </a:prstGeom>
-          <a:ln>
-            <a:solidFill>
-              <a:srgbClr val="0000FF"/>
-            </a:solidFill>
-            <a:tailEnd type="arrow"/>
-          </a:ln>
-        </p:spPr>
-        <p:style>
-          <a:lnRef idx="2">
-            <a:schemeClr val="accent1"/>
-          </a:lnRef>
-          <a:fillRef idx="0">
-            <a:schemeClr val="accent1"/>
-          </a:fillRef>
-          <a:effectRef idx="1">
-            <a:schemeClr val="accent1"/>
-          </a:effectRef>
-          <a:fontRef idx="minor">
-            <a:schemeClr val="tx1"/>
-          </a:fontRef>
-        </p:style>
-      </p:cxnSp>
-      <p:cxnSp>
-        <p:nvCxnSpPr>
-          <p:cNvPr id="313" name="直線矢印コネクタ 312"/>
-          <p:cNvCxnSpPr/>
-          <p:nvPr/>
-        </p:nvCxnSpPr>
-        <p:spPr>
-          <a:xfrm flipH="1" flipV="1">
-            <a:off x="1584232" y="2044693"/>
-            <a:ext cx="9815" cy="3230650"/>
-          </a:xfrm>
-          <a:prstGeom prst="straightConnector1">
-            <a:avLst/>
-          </a:prstGeom>
-          <a:ln>
-            <a:solidFill>
-              <a:srgbClr val="0000FF"/>
-            </a:solidFill>
-            <a:tailEnd type="arrow"/>
-          </a:ln>
-        </p:spPr>
-        <p:style>
-          <a:lnRef idx="2">
-            <a:schemeClr val="accent1"/>
-          </a:lnRef>
-          <a:fillRef idx="0">
-            <a:schemeClr val="accent1"/>
-          </a:fillRef>
-          <a:effectRef idx="1">
-            <a:schemeClr val="accent1"/>
-          </a:effectRef>
-          <a:fontRef idx="minor">
-            <a:schemeClr val="tx1"/>
-          </a:fontRef>
-        </p:style>
-      </p:cxnSp>
-      <p:cxnSp>
-        <p:nvCxnSpPr>
-          <p:cNvPr id="316" name="直線矢印コネクタ 315"/>
-          <p:cNvCxnSpPr/>
-          <p:nvPr/>
-        </p:nvCxnSpPr>
-        <p:spPr>
-          <a:xfrm flipH="1" flipV="1">
-            <a:off x="2056428" y="2014758"/>
-            <a:ext cx="9815" cy="3230650"/>
-          </a:xfrm>
-          <a:prstGeom prst="straightConnector1">
-            <a:avLst/>
-          </a:prstGeom>
-          <a:ln>
-            <a:solidFill>
-              <a:srgbClr val="0000FF"/>
-            </a:solidFill>
-            <a:tailEnd type="arrow"/>
-          </a:ln>
-        </p:spPr>
-        <p:style>
-          <a:lnRef idx="2">
-            <a:schemeClr val="accent1"/>
-          </a:lnRef>
-          <a:fillRef idx="0">
-            <a:schemeClr val="accent1"/>
-          </a:fillRef>
-          <a:effectRef idx="1">
-            <a:schemeClr val="accent1"/>
-          </a:effectRef>
-          <a:fontRef idx="minor">
-            <a:schemeClr val="tx1"/>
-          </a:fontRef>
-        </p:style>
-      </p:cxnSp>
-      <p:cxnSp>
-        <p:nvCxnSpPr>
-          <p:cNvPr id="317" name="直線矢印コネクタ 316"/>
-          <p:cNvCxnSpPr/>
-          <p:nvPr/>
-        </p:nvCxnSpPr>
-        <p:spPr>
-          <a:xfrm flipH="1" flipV="1">
-            <a:off x="2514397" y="2027497"/>
-            <a:ext cx="9815" cy="3230650"/>
-          </a:xfrm>
-          <a:prstGeom prst="straightConnector1">
-            <a:avLst/>
-          </a:prstGeom>
-          <a:ln>
-            <a:solidFill>
-              <a:srgbClr val="0000FF"/>
-            </a:solidFill>
-            <a:tailEnd type="arrow"/>
-          </a:ln>
-        </p:spPr>
-        <p:style>
-          <a:lnRef idx="2">
-            <a:schemeClr val="accent1"/>
-          </a:lnRef>
-          <a:fillRef idx="0">
-            <a:schemeClr val="accent1"/>
-          </a:fillRef>
-          <a:effectRef idx="1">
-            <a:schemeClr val="accent1"/>
-          </a:effectRef>
-          <a:fontRef idx="minor">
-            <a:schemeClr val="tx1"/>
-          </a:fontRef>
-        </p:style>
-      </p:cxnSp>
+        </p:grpSpPr>
+        <p:cxnSp>
+          <p:nvCxnSpPr>
+            <p:cNvPr id="312" name="直線矢印コネクタ 311"/>
+            <p:cNvCxnSpPr/>
+            <p:nvPr/>
+          </p:nvCxnSpPr>
+          <p:spPr>
+            <a:xfrm flipH="1" flipV="1">
+              <a:off x="1084196" y="2044693"/>
+              <a:ext cx="42333" cy="3230650"/>
+            </a:xfrm>
+            <a:prstGeom prst="straightConnector1">
+              <a:avLst/>
+            </a:prstGeom>
+            <a:ln>
+              <a:solidFill>
+                <a:srgbClr val="0000FF"/>
+              </a:solidFill>
+              <a:tailEnd type="arrow"/>
+            </a:ln>
+          </p:spPr>
+          <p:style>
+            <a:lnRef idx="2">
+              <a:schemeClr val="accent1"/>
+            </a:lnRef>
+            <a:fillRef idx="0">
+              <a:schemeClr val="accent1"/>
+            </a:fillRef>
+            <a:effectRef idx="1">
+              <a:schemeClr val="accent1"/>
+            </a:effectRef>
+            <a:fontRef idx="minor">
+              <a:schemeClr val="tx1"/>
+            </a:fontRef>
+          </p:style>
+        </p:cxnSp>
+        <p:cxnSp>
+          <p:nvCxnSpPr>
+            <p:cNvPr id="313" name="直線矢印コネクタ 312"/>
+            <p:cNvCxnSpPr/>
+            <p:nvPr/>
+          </p:nvCxnSpPr>
+          <p:spPr>
+            <a:xfrm flipH="1" flipV="1">
+              <a:off x="1584232" y="2044693"/>
+              <a:ext cx="9815" cy="3230650"/>
+            </a:xfrm>
+            <a:prstGeom prst="straightConnector1">
+              <a:avLst/>
+            </a:prstGeom>
+            <a:ln>
+              <a:solidFill>
+                <a:srgbClr val="0000FF"/>
+              </a:solidFill>
+              <a:tailEnd type="arrow"/>
+            </a:ln>
+          </p:spPr>
+          <p:style>
+            <a:lnRef idx="2">
+              <a:schemeClr val="accent1"/>
+            </a:lnRef>
+            <a:fillRef idx="0">
+              <a:schemeClr val="accent1"/>
+            </a:fillRef>
+            <a:effectRef idx="1">
+              <a:schemeClr val="accent1"/>
+            </a:effectRef>
+            <a:fontRef idx="minor">
+              <a:schemeClr val="tx1"/>
+            </a:fontRef>
+          </p:style>
+        </p:cxnSp>
+        <p:cxnSp>
+          <p:nvCxnSpPr>
+            <p:cNvPr id="316" name="直線矢印コネクタ 315"/>
+            <p:cNvCxnSpPr/>
+            <p:nvPr/>
+          </p:nvCxnSpPr>
+          <p:spPr>
+            <a:xfrm flipH="1" flipV="1">
+              <a:off x="2056428" y="2014758"/>
+              <a:ext cx="9815" cy="3230650"/>
+            </a:xfrm>
+            <a:prstGeom prst="straightConnector1">
+              <a:avLst/>
+            </a:prstGeom>
+            <a:ln>
+              <a:solidFill>
+                <a:srgbClr val="0000FF"/>
+              </a:solidFill>
+              <a:tailEnd type="arrow"/>
+            </a:ln>
+          </p:spPr>
+          <p:style>
+            <a:lnRef idx="2">
+              <a:schemeClr val="accent1"/>
+            </a:lnRef>
+            <a:fillRef idx="0">
+              <a:schemeClr val="accent1"/>
+            </a:fillRef>
+            <a:effectRef idx="1">
+              <a:schemeClr val="accent1"/>
+            </a:effectRef>
+            <a:fontRef idx="minor">
+              <a:schemeClr val="tx1"/>
+            </a:fontRef>
+          </p:style>
+        </p:cxnSp>
+        <p:cxnSp>
+          <p:nvCxnSpPr>
+            <p:cNvPr id="317" name="直線矢印コネクタ 316"/>
+            <p:cNvCxnSpPr/>
+            <p:nvPr/>
+          </p:nvCxnSpPr>
+          <p:spPr>
+            <a:xfrm flipH="1" flipV="1">
+              <a:off x="2514397" y="2027497"/>
+              <a:ext cx="9815" cy="3230650"/>
+            </a:xfrm>
+            <a:prstGeom prst="straightConnector1">
+              <a:avLst/>
+            </a:prstGeom>
+            <a:ln>
+              <a:solidFill>
+                <a:srgbClr val="0000FF"/>
+              </a:solidFill>
+              <a:tailEnd type="arrow"/>
+            </a:ln>
+          </p:spPr>
+          <p:style>
+            <a:lnRef idx="2">
+              <a:schemeClr val="accent1"/>
+            </a:lnRef>
+            <a:fillRef idx="0">
+              <a:schemeClr val="accent1"/>
+            </a:fillRef>
+            <a:effectRef idx="1">
+              <a:schemeClr val="accent1"/>
+            </a:effectRef>
+            <a:fontRef idx="minor">
+              <a:schemeClr val="tx1"/>
+            </a:fontRef>
+          </p:style>
+        </p:cxnSp>
+      </p:grpSp>
       <p:sp>
         <p:nvSpPr>
           <p:cNvPr id="333" name="テキスト ボックス 332"/>
@@ -10642,7 +10657,7 @@
         </p:nvSpPr>
         <p:spPr>
           <a:xfrm>
-            <a:off x="3989917" y="6223000"/>
+            <a:off x="3554616" y="6295919"/>
             <a:ext cx="1248772" cy="369332"/>
           </a:xfrm>
           <a:prstGeom prst="rect">
@@ -10666,30 +10681,28 @@
       </p:sp>
       <p:grpSp>
         <p:nvGrpSpPr>
-          <p:cNvPr id="345" name="図形グループ 344"/>
+          <p:cNvPr id="348" name="図形グループ 347"/>
           <p:cNvGrpSpPr/>
           <p:nvPr/>
         </p:nvGrpSpPr>
         <p:grpSpPr>
           <a:xfrm>
-            <a:off x="2351920" y="5370277"/>
+            <a:off x="2012719" y="5454583"/>
             <a:ext cx="3796051" cy="852723"/>
-            <a:chOff x="2351920" y="5370277"/>
+            <a:chOff x="2012719" y="5454583"/>
             <a:chExt cx="3796051" cy="852723"/>
           </a:xfrm>
         </p:grpSpPr>
         <p:cxnSp>
           <p:nvCxnSpPr>
             <p:cNvPr id="335" name="直線コネクタ 334"/>
-            <p:cNvCxnSpPr>
-              <a:stCxn id="333" idx="0"/>
-            </p:cNvCxnSpPr>
+            <p:cNvCxnSpPr/>
             <p:nvPr/>
           </p:nvCxnSpPr>
           <p:spPr>
-            <a:xfrm flipH="1" flipV="1">
-              <a:off x="4603750" y="5955149"/>
-              <a:ext cx="10553" cy="267851"/>
+            <a:xfrm flipV="1">
+              <a:off x="4264549" y="6039456"/>
+              <a:ext cx="1" cy="267850"/>
             </a:xfrm>
             <a:prstGeom prst="line">
               <a:avLst/>
@@ -10723,7 +10736,7 @@
           </p:nvCxnSpPr>
           <p:spPr>
             <a:xfrm flipH="1" flipV="1">
-              <a:off x="2351920" y="5908307"/>
+              <a:off x="2012719" y="5992613"/>
               <a:ext cx="2251830" cy="46842"/>
             </a:xfrm>
             <a:prstGeom prst="straightConnector1">
@@ -10759,7 +10772,7 @@
           </p:nvCxnSpPr>
           <p:spPr>
             <a:xfrm flipV="1">
-              <a:off x="4603750" y="5370277"/>
+              <a:off x="4264549" y="5454583"/>
               <a:ext cx="1544221" cy="584872"/>
             </a:xfrm>
             <a:prstGeom prst="straightConnector1">
@@ -10796,7 +10809,7 @@
         </p:nvSpPr>
         <p:spPr>
           <a:xfrm>
-            <a:off x="3842004" y="360658"/>
+            <a:off x="6061557" y="160603"/>
             <a:ext cx="2006704" cy="400110"/>
           </a:xfrm>
           <a:prstGeom prst="rect">
@@ -10828,6 +10841,42 @@
                 <a:srgbClr val="008000"/>
               </a:solidFill>
             </a:endParaRPr>
+          </a:p>
+        </p:txBody>
+      </p:sp>
+      <p:sp>
+        <p:nvSpPr>
+          <p:cNvPr id="351" name="テキスト ボックス 350"/>
+          <p:cNvSpPr txBox="1"/>
+          <p:nvPr/>
+        </p:nvSpPr>
+        <p:spPr>
+          <a:xfrm>
+            <a:off x="2128891" y="770778"/>
+            <a:ext cx="4166525" cy="646331"/>
+          </a:xfrm>
+          <a:prstGeom prst="rect">
+            <a:avLst/>
+          </a:prstGeom>
+          <a:noFill/>
+        </p:spPr>
+        <p:txBody>
+          <a:bodyPr wrap="none" rtlCol="0">
+            <a:spAutoFit/>
+          </a:bodyPr>
+          <a:lstStyle/>
+          <a:p>
+            <a:r>
+              <a:rPr kumimoji="1" lang="en-US" altLang="ja-JP" dirty="0" smtClean="0"/>
+              <a:t>2 hours interval for RV</a:t>
+            </a:r>
+          </a:p>
+          <a:p>
+            <a:r>
+              <a:rPr lang="en-US" altLang="ja-JP" dirty="0" smtClean="0"/>
+              <a:t>snapshots: events in between may be lost.</a:t>
+            </a:r>
+            <a:endParaRPr kumimoji="1" lang="ja-JP" altLang="en-US" dirty="0"/>
           </a:p>
         </p:txBody>
       </p:sp>
